--- a/Documentação/Apresentação.pptx
+++ b/Documentação/Apresentação.pptx
@@ -10,6 +10,7 @@
     <p:sldId id="258" r:id="rId4"/>
     <p:sldId id="259" r:id="rId5"/>
     <p:sldId id="260" r:id="rId6"/>
+    <p:sldId id="261" r:id="rId7"/>
   </p:sldIdLst>
   <p:sldSz cx="12192000" cy="6858000"/>
   <p:notesSz cx="6858000" cy="9144000"/>
@@ -108,6 +109,11 @@
       </a:defRPr>
     </a:lvl9pPr>
   </p:defaultTextStyle>
+  <p:extLst>
+    <p:ext uri="{EFAFB233-063F-42B5-8137-9DF3F51BA10A}">
+      <p15:sldGuideLst xmlns:p15="http://schemas.microsoft.com/office/powerpoint/2012/main"/>
+    </p:ext>
+  </p:extLst>
 </p:presentation>
 </file>
 
@@ -281,7 +287,7 @@
           <a:p>
             <a:fld id="{48A87A34-81AB-432B-8DAE-1953F412C126}" type="datetimeFigureOut">
               <a:rPr lang="en-US" dirty="0"/>
-              <a:t>11/25/2018</a:t>
+              <a:t>11/26/2018</a:t>
             </a:fld>
             <a:endParaRPr lang="en-US" dirty="0"/>
           </a:p>
@@ -543,7 +549,7 @@
           <a:p>
             <a:fld id="{48A87A34-81AB-432B-8DAE-1953F412C126}" type="datetimeFigureOut">
               <a:rPr lang="en-US" dirty="0"/>
-              <a:t>11/25/2018</a:t>
+              <a:t>11/26/2018</a:t>
             </a:fld>
             <a:endParaRPr lang="en-US" dirty="0"/>
           </a:p>
@@ -770,7 +776,7 @@
             <a:fld id="{48A87A34-81AB-432B-8DAE-1953F412C126}" type="datetimeFigureOut">
               <a:rPr lang="en-US" dirty="0"/>
               <a:pPr/>
-              <a:t>11/25/2018</a:t>
+              <a:t>11/26/2018</a:t>
             </a:fld>
             <a:endParaRPr lang="en-US" dirty="0"/>
           </a:p>
@@ -1076,7 +1082,7 @@
             <a:fld id="{48A87A34-81AB-432B-8DAE-1953F412C126}" type="datetimeFigureOut">
               <a:rPr lang="en-US" dirty="0"/>
               <a:pPr/>
-              <a:t>11/25/2018</a:t>
+              <a:t>11/26/2018</a:t>
             </a:fld>
             <a:endParaRPr lang="en-US" dirty="0"/>
           </a:p>
@@ -1545,7 +1551,7 @@
             <a:fld id="{48A87A34-81AB-432B-8DAE-1953F412C126}" type="datetimeFigureOut">
               <a:rPr lang="en-US" dirty="0"/>
               <a:pPr/>
-              <a:t>11/25/2018</a:t>
+              <a:t>11/26/2018</a:t>
             </a:fld>
             <a:endParaRPr lang="en-US" dirty="0"/>
           </a:p>
@@ -2087,7 +2093,7 @@
           <a:p>
             <a:fld id="{48A87A34-81AB-432B-8DAE-1953F412C126}" type="datetimeFigureOut">
               <a:rPr lang="en-US" dirty="0"/>
-              <a:t>11/25/2018</a:t>
+              <a:t>11/26/2018</a:t>
             </a:fld>
             <a:endParaRPr lang="en-US" dirty="0"/>
           </a:p>
@@ -2856,7 +2862,7 @@
           <a:p>
             <a:fld id="{48A87A34-81AB-432B-8DAE-1953F412C126}" type="datetimeFigureOut">
               <a:rPr lang="en-US" dirty="0"/>
-              <a:t>11/25/2018</a:t>
+              <a:t>11/26/2018</a:t>
             </a:fld>
             <a:endParaRPr lang="en-US" dirty="0"/>
           </a:p>
@@ -3026,7 +3032,7 @@
           <a:p>
             <a:fld id="{48A87A34-81AB-432B-8DAE-1953F412C126}" type="datetimeFigureOut">
               <a:rPr lang="en-US" dirty="0"/>
-              <a:t>11/25/2018</a:t>
+              <a:t>11/26/2018</a:t>
             </a:fld>
             <a:endParaRPr lang="en-US" dirty="0"/>
           </a:p>
@@ -3245,7 +3251,7 @@
             <a:fld id="{48A87A34-81AB-432B-8DAE-1953F412C126}" type="datetimeFigureOut">
               <a:rPr lang="en-US" dirty="0"/>
               <a:pPr/>
-              <a:t>11/25/2018</a:t>
+              <a:t>11/26/2018</a:t>
             </a:fld>
             <a:endParaRPr lang="en-US" dirty="0"/>
           </a:p>
@@ -3420,7 +3426,7 @@
           <a:p>
             <a:fld id="{48A87A34-81AB-432B-8DAE-1953F412C126}" type="datetimeFigureOut">
               <a:rPr lang="en-US" dirty="0"/>
-              <a:t>11/25/2018</a:t>
+              <a:t>11/26/2018</a:t>
             </a:fld>
             <a:endParaRPr lang="en-US" dirty="0"/>
           </a:p>
@@ -3705,7 +3711,7 @@
             <a:fld id="{48A87A34-81AB-432B-8DAE-1953F412C126}" type="datetimeFigureOut">
               <a:rPr lang="en-US" dirty="0"/>
               <a:pPr/>
-              <a:t>11/25/2018</a:t>
+              <a:t>11/26/2018</a:t>
             </a:fld>
             <a:endParaRPr lang="en-US" dirty="0"/>
           </a:p>
@@ -3942,7 +3948,7 @@
           <a:p>
             <a:fld id="{48A87A34-81AB-432B-8DAE-1953F412C126}" type="datetimeFigureOut">
               <a:rPr lang="en-US" dirty="0"/>
-              <a:t>11/25/2018</a:t>
+              <a:t>11/26/2018</a:t>
             </a:fld>
             <a:endParaRPr lang="en-US" dirty="0"/>
           </a:p>
@@ -4316,7 +4322,7 @@
           <a:p>
             <a:fld id="{48A87A34-81AB-432B-8DAE-1953F412C126}" type="datetimeFigureOut">
               <a:rPr lang="en-US" dirty="0"/>
-              <a:t>11/25/2018</a:t>
+              <a:t>11/26/2018</a:t>
             </a:fld>
             <a:endParaRPr lang="en-US" dirty="0"/>
           </a:p>
@@ -4429,7 +4435,7 @@
           <a:p>
             <a:fld id="{48A87A34-81AB-432B-8DAE-1953F412C126}" type="datetimeFigureOut">
               <a:rPr lang="en-US" dirty="0"/>
-              <a:t>11/25/2018</a:t>
+              <a:t>11/26/2018</a:t>
             </a:fld>
             <a:endParaRPr lang="en-US" dirty="0"/>
           </a:p>
@@ -4519,7 +4525,7 @@
           <a:p>
             <a:fld id="{48A87A34-81AB-432B-8DAE-1953F412C126}" type="datetimeFigureOut">
               <a:rPr lang="en-US" dirty="0"/>
-              <a:t>11/25/2018</a:t>
+              <a:t>11/26/2018</a:t>
             </a:fld>
             <a:endParaRPr lang="en-US" dirty="0"/>
           </a:p>
@@ -4763,7 +4769,7 @@
           <a:p>
             <a:fld id="{48A87A34-81AB-432B-8DAE-1953F412C126}" type="datetimeFigureOut">
               <a:rPr lang="en-US" dirty="0"/>
-              <a:t>11/25/2018</a:t>
+              <a:t>11/26/2018</a:t>
             </a:fld>
             <a:endParaRPr lang="en-US" dirty="0"/>
           </a:p>
@@ -5015,7 +5021,7 @@
           <a:p>
             <a:fld id="{48A87A34-81AB-432B-8DAE-1953F412C126}" type="datetimeFigureOut">
               <a:rPr lang="en-US" dirty="0"/>
-              <a:t>11/25/2018</a:t>
+              <a:t>11/26/2018</a:t>
             </a:fld>
             <a:endParaRPr lang="en-US" dirty="0"/>
           </a:p>
@@ -5254,7 +5260,7 @@
             <a:fld id="{48A87A34-81AB-432B-8DAE-1953F412C126}" type="datetimeFigureOut">
               <a:rPr lang="en-US" dirty="0"/>
               <a:pPr/>
-              <a:t>11/25/2018</a:t>
+              <a:t>11/26/2018</a:t>
             </a:fld>
             <a:endParaRPr lang="en-US" dirty="0"/>
           </a:p>
@@ -6143,12 +6149,18 @@
           <a:p>
             <a:r>
               <a:rPr lang="pt-BR" dirty="0"/>
-              <a:t>A parte da gerência dos funcionários infelizmente não pode ser completada, devido a limitações </a:t>
-            </a:r>
-            <a:r>
-              <a:rPr lang="pt-BR"/>
-              <a:t>de </a:t>
-            </a:r>
+              <a:t>A parte da gerência dos funcionários infelizmente não pode ser completada, devido a limitações dos conhecimentos do </a:t>
+            </a:r>
+            <a:r>
+              <a:rPr lang="pt-BR" dirty="0" err="1"/>
+              <a:t>java</a:t>
+            </a:r>
+            <a:r>
+              <a:rPr lang="pt-BR" dirty="0"/>
+              <a:t> e por dificuldade na hora de fazer  separação dos acessos.</a:t>
+            </a:r>
+          </a:p>
+          <a:p>
             <a:endParaRPr lang="pt-BR" dirty="0"/>
           </a:p>
         </p:txBody>
@@ -6157,6 +6169,75 @@
     <p:extLst>
       <p:ext uri="{BB962C8B-B14F-4D97-AF65-F5344CB8AC3E}">
         <p14:creationId xmlns:p14="http://schemas.microsoft.com/office/powerpoint/2010/main" val="397262241"/>
+      </p:ext>
+    </p:extLst>
+  </p:cSld>
+  <p:clrMapOvr>
+    <a:masterClrMapping/>
+  </p:clrMapOvr>
+</p:sld>
+</file>
+
+<file path=ppt/slides/slide6.xml><?xml version="1.0" encoding="utf-8"?>
+<p:sld xmlns:a="http://schemas.openxmlformats.org/drawingml/2006/main" xmlns:r="http://schemas.openxmlformats.org/officeDocument/2006/relationships" xmlns:p="http://schemas.openxmlformats.org/presentationml/2006/main">
+  <p:cSld>
+    <p:spTree>
+      <p:nvGrpSpPr>
+        <p:cNvPr id="1" name=""/>
+        <p:cNvGrpSpPr/>
+        <p:nvPr/>
+      </p:nvGrpSpPr>
+      <p:grpSpPr>
+        <a:xfrm>
+          <a:off x="0" y="0"/>
+          <a:ext cx="0" cy="0"/>
+          <a:chOff x="0" y="0"/>
+          <a:chExt cx="0" cy="0"/>
+        </a:xfrm>
+      </p:grpSpPr>
+      <p:sp>
+        <p:nvSpPr>
+          <p:cNvPr id="3" name="Espaço Reservado para Conteúdo 2">
+            <a:extLst>
+              <a:ext uri="{FF2B5EF4-FFF2-40B4-BE49-F238E27FC236}">
+                <a16:creationId xmlns:a16="http://schemas.microsoft.com/office/drawing/2014/main" id="{5283A765-42BE-455D-972B-2A8FDF3075C4}"/>
+              </a:ext>
+            </a:extLst>
+          </p:cNvPr>
+          <p:cNvSpPr>
+            <a:spLocks noGrp="1"/>
+          </p:cNvSpPr>
+          <p:nvPr>
+            <p:ph idx="1"/>
+          </p:nvPr>
+        </p:nvSpPr>
+        <p:spPr/>
+        <p:txBody>
+          <a:bodyPr>
+            <a:noAutofit/>
+          </a:bodyPr>
+          <a:lstStyle/>
+          <a:p>
+            <a:pPr marL="0" indent="0" algn="ctr">
+              <a:buNone/>
+            </a:pPr>
+            <a:endParaRPr lang="pt-BR" sz="8800" dirty="0"/>
+          </a:p>
+          <a:p>
+            <a:pPr marL="0" indent="0" algn="ctr">
+              <a:buNone/>
+            </a:pPr>
+            <a:r>
+              <a:rPr lang="pt-BR" sz="8800" dirty="0"/>
+              <a:t>MUITO OBRIGADO</a:t>
+            </a:r>
+          </a:p>
+        </p:txBody>
+      </p:sp>
+    </p:spTree>
+    <p:extLst>
+      <p:ext uri="{BB962C8B-B14F-4D97-AF65-F5344CB8AC3E}">
+        <p14:creationId xmlns:p14="http://schemas.microsoft.com/office/powerpoint/2010/main" val="1606725078"/>
       </p:ext>
     </p:extLst>
   </p:cSld>
